--- a/_tmp/docs/TDD pour les applications frontend.pptx
+++ b/_tmp/docs/TDD pour les applications frontend.pptx
@@ -189,7 +189,7 @@
   <p:cm authorId="1" dt="2019-03-12T17:34:24.891" idx="22">
     <p:pos x="3880" y="1156"/>
     <p:text>Les tests vont couvrir la totalité du code</p:text>
-    <p:extLst mod="1">
+    <p:extLst>
       <p:ext uri="{C676402C-5697-4E1C-873F-D02D1690AC5C}">
         <p15:threadingInfo xmlns:p15="http://schemas.microsoft.com/office/powerpoint/2012/main" timeZoneBias="-60"/>
       </p:ext>
@@ -221,7 +221,7 @@
   <p:cm authorId="1" dt="2019-03-12T17:27:05.066" idx="15">
     <p:pos x="2875" y="467"/>
     <p:text>Respecter les standards du clean code (nom des tests significatifs, sépération des blocs ...)</p:text>
-    <p:extLst mod="1">
+    <p:extLst>
       <p:ext uri="{C676402C-5697-4E1C-873F-D02D1690AC5C}">
         <p15:threadingInfo xmlns:p15="http://schemas.microsoft.com/office/powerpoint/2012/main" timeZoneBias="-60"/>
       </p:ext>
@@ -230,7 +230,7 @@
   <p:cm authorId="1" dt="2019-03-12T17:28:08.818" idx="16">
     <p:pos x="3371" y="473"/>
     <p:text>Certians pensent qu'écrire des tests dirty qui fonctionnent est meilleur de ne pas écrire.</p:text>
-    <p:extLst mod="1">
+    <p:extLst>
       <p:ext uri="{C676402C-5697-4E1C-873F-D02D1690AC5C}">
         <p15:threadingInfo xmlns:p15="http://schemas.microsoft.com/office/powerpoint/2012/main" timeZoneBias="-60"/>
       </p:ext>
@@ -239,7 +239,7 @@
   <p:cm authorId="1" dt="2019-03-12T17:29:14.138" idx="17">
     <p:pos x="3819" y="473"/>
     <p:text>C'est pareil, parceque les tests vont changer avec le changement du code</p:text>
-    <p:extLst mod="1">
+    <p:extLst>
       <p:ext uri="{C676402C-5697-4E1C-873F-D02D1690AC5C}">
         <p15:threadingInfo xmlns:p15="http://schemas.microsoft.com/office/powerpoint/2012/main" timeZoneBias="-60"/>
       </p:ext>
@@ -248,7 +248,7 @@
   <p:cm authorId="1" dt="2019-03-12T17:29:51.210" idx="18">
     <p:pos x="4255" y="490"/>
     <p:text>Plus on n'écrit pas de bons tests, plus ça sera difficile de les changer</p:text>
-    <p:extLst mod="1">
+    <p:extLst>
       <p:ext uri="{C676402C-5697-4E1C-873F-D02D1690AC5C}">
         <p15:threadingInfo xmlns:p15="http://schemas.microsoft.com/office/powerpoint/2012/main" timeZoneBias="-60"/>
       </p:ext>
@@ -257,7 +257,7 @@
   <p:cm authorId="1" dt="2019-03-12T17:31:07.465" idx="19">
     <p:pos x="4749" y="482"/>
     <p:text>Sans les tests, les développeurs sont suscectible de faire des régressions sur le code existant</p:text>
-    <p:extLst mod="1">
+    <p:extLst>
       <p:ext uri="{C676402C-5697-4E1C-873F-D02D1690AC5C}">
         <p15:threadingInfo xmlns:p15="http://schemas.microsoft.com/office/powerpoint/2012/main" timeZoneBias="-60"/>
       </p:ext>
@@ -266,7 +266,7 @@
   <p:cm authorId="1" dt="2019-03-12T17:31:52.034" idx="20">
     <p:pos x="5181" y="469"/>
     <p:text>Le code de test a la même importance que le code de production</p:text>
-    <p:extLst mod="1">
+    <p:extLst>
       <p:ext uri="{C676402C-5697-4E1C-873F-D02D1690AC5C}">
         <p15:threadingInfo xmlns:p15="http://schemas.microsoft.com/office/powerpoint/2012/main" timeZoneBias="-60"/>
       </p:ext>
@@ -280,7 +280,7 @@
   <p:cm authorId="1" dt="2019-03-12T17:35:52.409" idx="23">
     <p:pos x="2511" y="548"/>
     <p:text>Pour écrirer des tests rapide et facile à comprendre</p:text>
-    <p:extLst mod="1">
+    <p:extLst>
       <p:ext uri="{C676402C-5697-4E1C-873F-D02D1690AC5C}">
         <p15:threadingInfo xmlns:p15="http://schemas.microsoft.com/office/powerpoint/2012/main" timeZoneBias="-60"/>
       </p:ext>
@@ -340,10 +340,9 @@
           </a:lstStyle>
           <a:p>
             <a:r>
-              <a:rPr lang="fr-FR" smtClean="0"/>
+              <a:rPr lang="fr-FR"/>
               <a:t>Modifiez le style du titre</a:t>
             </a:r>
-            <a:endParaRPr lang="fr-FR"/>
           </a:p>
         </p:txBody>
       </p:sp>
@@ -405,10 +404,9 @@
           </a:lstStyle>
           <a:p>
             <a:r>
-              <a:rPr lang="fr-FR" smtClean="0"/>
+              <a:rPr lang="fr-FR"/>
               <a:t>Modifiez le style des sous-titres du masque</a:t>
             </a:r>
-            <a:endParaRPr lang="fr-FR"/>
           </a:p>
         </p:txBody>
       </p:sp>
@@ -430,7 +428,7 @@
             <a:fld id="{1BFA4FCE-E2E2-417A-A99A-D3BA69BD63B5}" type="datetimeFigureOut">
               <a:rPr lang="fr-FR" smtClean="0"/>
               <a:pPr/>
-              <a:t>06/08/2019</a:t>
+              <a:t>04/02/2020</a:t>
             </a:fld>
             <a:endParaRPr lang="fr-FR"/>
           </a:p>
@@ -525,10 +523,9 @@
           <a:lstStyle/>
           <a:p>
             <a:r>
-              <a:rPr lang="fr-FR" smtClean="0"/>
+              <a:rPr lang="fr-FR"/>
               <a:t>Modifiez le style du titre</a:t>
             </a:r>
-            <a:endParaRPr lang="fr-FR"/>
           </a:p>
         </p:txBody>
       </p:sp>
@@ -549,38 +546,37 @@
           <a:p>
             <a:pPr lvl="0"/>
             <a:r>
-              <a:rPr lang="fr-FR" smtClean="0"/>
+              <a:rPr lang="fr-FR"/>
               <a:t>Modifiez les styles du texte du masque</a:t>
             </a:r>
           </a:p>
           <a:p>
             <a:pPr lvl="1"/>
             <a:r>
-              <a:rPr lang="fr-FR" smtClean="0"/>
+              <a:rPr lang="fr-FR"/>
               <a:t>Deuxième niveau</a:t>
             </a:r>
           </a:p>
           <a:p>
             <a:pPr lvl="2"/>
             <a:r>
-              <a:rPr lang="fr-FR" smtClean="0"/>
+              <a:rPr lang="fr-FR"/>
               <a:t>Troisième niveau</a:t>
             </a:r>
           </a:p>
           <a:p>
             <a:pPr lvl="3"/>
             <a:r>
-              <a:rPr lang="fr-FR" smtClean="0"/>
+              <a:rPr lang="fr-FR"/>
               <a:t>Quatrième niveau</a:t>
             </a:r>
           </a:p>
           <a:p>
             <a:pPr lvl="4"/>
             <a:r>
-              <a:rPr lang="fr-FR" smtClean="0"/>
+              <a:rPr lang="fr-FR"/>
               <a:t>Cinquième niveau</a:t>
             </a:r>
-            <a:endParaRPr lang="fr-FR"/>
           </a:p>
         </p:txBody>
       </p:sp>
@@ -602,7 +598,7 @@
             <a:fld id="{1BFA4FCE-E2E2-417A-A99A-D3BA69BD63B5}" type="datetimeFigureOut">
               <a:rPr lang="fr-FR" smtClean="0"/>
               <a:pPr/>
-              <a:t>06/08/2019</a:t>
+              <a:t>04/02/2020</a:t>
             </a:fld>
             <a:endParaRPr lang="fr-FR"/>
           </a:p>
@@ -702,10 +698,9 @@
           <a:lstStyle/>
           <a:p>
             <a:r>
-              <a:rPr lang="fr-FR" smtClean="0"/>
+              <a:rPr lang="fr-FR"/>
               <a:t>Modifiez le style du titre</a:t>
             </a:r>
-            <a:endParaRPr lang="fr-FR"/>
           </a:p>
         </p:txBody>
       </p:sp>
@@ -731,38 +726,37 @@
           <a:p>
             <a:pPr lvl="0"/>
             <a:r>
-              <a:rPr lang="fr-FR" smtClean="0"/>
+              <a:rPr lang="fr-FR"/>
               <a:t>Modifiez les styles du texte du masque</a:t>
             </a:r>
           </a:p>
           <a:p>
             <a:pPr lvl="1"/>
             <a:r>
-              <a:rPr lang="fr-FR" smtClean="0"/>
+              <a:rPr lang="fr-FR"/>
               <a:t>Deuxième niveau</a:t>
             </a:r>
           </a:p>
           <a:p>
             <a:pPr lvl="2"/>
             <a:r>
-              <a:rPr lang="fr-FR" smtClean="0"/>
+              <a:rPr lang="fr-FR"/>
               <a:t>Troisième niveau</a:t>
             </a:r>
           </a:p>
           <a:p>
             <a:pPr lvl="3"/>
             <a:r>
-              <a:rPr lang="fr-FR" smtClean="0"/>
+              <a:rPr lang="fr-FR"/>
               <a:t>Quatrième niveau</a:t>
             </a:r>
           </a:p>
           <a:p>
             <a:pPr lvl="4"/>
             <a:r>
-              <a:rPr lang="fr-FR" smtClean="0"/>
+              <a:rPr lang="fr-FR"/>
               <a:t>Cinquième niveau</a:t>
             </a:r>
-            <a:endParaRPr lang="fr-FR"/>
           </a:p>
         </p:txBody>
       </p:sp>
@@ -784,7 +778,7 @@
             <a:fld id="{1BFA4FCE-E2E2-417A-A99A-D3BA69BD63B5}" type="datetimeFigureOut">
               <a:rPr lang="fr-FR" smtClean="0"/>
               <a:pPr/>
-              <a:t>06/08/2019</a:t>
+              <a:t>04/02/2020</a:t>
             </a:fld>
             <a:endParaRPr lang="fr-FR"/>
           </a:p>
@@ -879,10 +873,9 @@
           <a:lstStyle/>
           <a:p>
             <a:r>
-              <a:rPr lang="fr-FR" smtClean="0"/>
+              <a:rPr lang="fr-FR"/>
               <a:t>Modifiez le style du titre</a:t>
             </a:r>
-            <a:endParaRPr lang="fr-FR"/>
           </a:p>
         </p:txBody>
       </p:sp>
@@ -903,38 +896,37 @@
           <a:p>
             <a:pPr lvl="0"/>
             <a:r>
-              <a:rPr lang="fr-FR" smtClean="0"/>
+              <a:rPr lang="fr-FR"/>
               <a:t>Modifiez les styles du texte du masque</a:t>
             </a:r>
           </a:p>
           <a:p>
             <a:pPr lvl="1"/>
             <a:r>
-              <a:rPr lang="fr-FR" smtClean="0"/>
+              <a:rPr lang="fr-FR"/>
               <a:t>Deuxième niveau</a:t>
             </a:r>
           </a:p>
           <a:p>
             <a:pPr lvl="2"/>
             <a:r>
-              <a:rPr lang="fr-FR" smtClean="0"/>
+              <a:rPr lang="fr-FR"/>
               <a:t>Troisième niveau</a:t>
             </a:r>
           </a:p>
           <a:p>
             <a:pPr lvl="3"/>
             <a:r>
-              <a:rPr lang="fr-FR" smtClean="0"/>
+              <a:rPr lang="fr-FR"/>
               <a:t>Quatrième niveau</a:t>
             </a:r>
           </a:p>
           <a:p>
             <a:pPr lvl="4"/>
             <a:r>
-              <a:rPr lang="fr-FR" smtClean="0"/>
+              <a:rPr lang="fr-FR"/>
               <a:t>Cinquième niveau</a:t>
             </a:r>
-            <a:endParaRPr lang="fr-FR"/>
           </a:p>
         </p:txBody>
       </p:sp>
@@ -956,7 +948,7 @@
             <a:fld id="{1BFA4FCE-E2E2-417A-A99A-D3BA69BD63B5}" type="datetimeFigureOut">
               <a:rPr lang="fr-FR" smtClean="0"/>
               <a:pPr/>
-              <a:t>06/08/2019</a:t>
+              <a:t>04/02/2020</a:t>
             </a:fld>
             <a:endParaRPr lang="fr-FR"/>
           </a:p>
@@ -1060,10 +1052,9 @@
           </a:lstStyle>
           <a:p>
             <a:r>
-              <a:rPr lang="fr-FR" smtClean="0"/>
+              <a:rPr lang="fr-FR"/>
               <a:t>Modifiez le style du titre</a:t>
             </a:r>
-            <a:endParaRPr lang="fr-FR"/>
           </a:p>
         </p:txBody>
       </p:sp>
@@ -1180,7 +1171,7 @@
           <a:p>
             <a:pPr lvl="0"/>
             <a:r>
-              <a:rPr lang="fr-FR" smtClean="0"/>
+              <a:rPr lang="fr-FR"/>
               <a:t>Modifiez les styles du texte du masque</a:t>
             </a:r>
           </a:p>
@@ -1204,7 +1195,7 @@
             <a:fld id="{1BFA4FCE-E2E2-417A-A99A-D3BA69BD63B5}" type="datetimeFigureOut">
               <a:rPr lang="fr-FR" smtClean="0"/>
               <a:pPr/>
-              <a:t>06/08/2019</a:t>
+              <a:t>04/02/2020</a:t>
             </a:fld>
             <a:endParaRPr lang="fr-FR"/>
           </a:p>
@@ -1299,10 +1290,9 @@
           <a:lstStyle/>
           <a:p>
             <a:r>
-              <a:rPr lang="fr-FR" smtClean="0"/>
+              <a:rPr lang="fr-FR"/>
               <a:t>Modifiez le style du titre</a:t>
             </a:r>
-            <a:endParaRPr lang="fr-FR"/>
           </a:p>
         </p:txBody>
       </p:sp>
@@ -1328,38 +1318,37 @@
           <a:p>
             <a:pPr lvl="0"/>
             <a:r>
-              <a:rPr lang="fr-FR" smtClean="0"/>
+              <a:rPr lang="fr-FR"/>
               <a:t>Modifiez les styles du texte du masque</a:t>
             </a:r>
           </a:p>
           <a:p>
             <a:pPr lvl="1"/>
             <a:r>
-              <a:rPr lang="fr-FR" smtClean="0"/>
+              <a:rPr lang="fr-FR"/>
               <a:t>Deuxième niveau</a:t>
             </a:r>
           </a:p>
           <a:p>
             <a:pPr lvl="2"/>
             <a:r>
-              <a:rPr lang="fr-FR" smtClean="0"/>
+              <a:rPr lang="fr-FR"/>
               <a:t>Troisième niveau</a:t>
             </a:r>
           </a:p>
           <a:p>
             <a:pPr lvl="3"/>
             <a:r>
-              <a:rPr lang="fr-FR" smtClean="0"/>
+              <a:rPr lang="fr-FR"/>
               <a:t>Quatrième niveau</a:t>
             </a:r>
           </a:p>
           <a:p>
             <a:pPr lvl="4"/>
             <a:r>
-              <a:rPr lang="fr-FR" smtClean="0"/>
+              <a:rPr lang="fr-FR"/>
               <a:t>Cinquième niveau</a:t>
             </a:r>
-            <a:endParaRPr lang="fr-FR"/>
           </a:p>
         </p:txBody>
       </p:sp>
@@ -1385,38 +1374,37 @@
           <a:p>
             <a:pPr lvl="0"/>
             <a:r>
-              <a:rPr lang="fr-FR" smtClean="0"/>
+              <a:rPr lang="fr-FR"/>
               <a:t>Modifiez les styles du texte du masque</a:t>
             </a:r>
           </a:p>
           <a:p>
             <a:pPr lvl="1"/>
             <a:r>
-              <a:rPr lang="fr-FR" smtClean="0"/>
+              <a:rPr lang="fr-FR"/>
               <a:t>Deuxième niveau</a:t>
             </a:r>
           </a:p>
           <a:p>
             <a:pPr lvl="2"/>
             <a:r>
-              <a:rPr lang="fr-FR" smtClean="0"/>
+              <a:rPr lang="fr-FR"/>
               <a:t>Troisième niveau</a:t>
             </a:r>
           </a:p>
           <a:p>
             <a:pPr lvl="3"/>
             <a:r>
-              <a:rPr lang="fr-FR" smtClean="0"/>
+              <a:rPr lang="fr-FR"/>
               <a:t>Quatrième niveau</a:t>
             </a:r>
           </a:p>
           <a:p>
             <a:pPr lvl="4"/>
             <a:r>
-              <a:rPr lang="fr-FR" smtClean="0"/>
+              <a:rPr lang="fr-FR"/>
               <a:t>Cinquième niveau</a:t>
             </a:r>
-            <a:endParaRPr lang="fr-FR"/>
           </a:p>
         </p:txBody>
       </p:sp>
@@ -1438,7 +1426,7 @@
             <a:fld id="{1BFA4FCE-E2E2-417A-A99A-D3BA69BD63B5}" type="datetimeFigureOut">
               <a:rPr lang="fr-FR" smtClean="0"/>
               <a:pPr/>
-              <a:t>06/08/2019</a:t>
+              <a:t>04/02/2020</a:t>
             </a:fld>
             <a:endParaRPr lang="fr-FR"/>
           </a:p>
@@ -1538,10 +1526,9 @@
           <a:lstStyle/>
           <a:p>
             <a:r>
-              <a:rPr lang="fr-FR" smtClean="0"/>
+              <a:rPr lang="fr-FR"/>
               <a:t>Modifiez le style du titre</a:t>
             </a:r>
-            <a:endParaRPr lang="fr-FR"/>
           </a:p>
         </p:txBody>
       </p:sp>
@@ -1604,7 +1591,7 @@
           <a:p>
             <a:pPr lvl="0"/>
             <a:r>
-              <a:rPr lang="fr-FR" smtClean="0"/>
+              <a:rPr lang="fr-FR"/>
               <a:t>Modifiez les styles du texte du masque</a:t>
             </a:r>
           </a:p>
@@ -1632,38 +1619,37 @@
           <a:p>
             <a:pPr lvl="0"/>
             <a:r>
-              <a:rPr lang="fr-FR" smtClean="0"/>
+              <a:rPr lang="fr-FR"/>
               <a:t>Modifiez les styles du texte du masque</a:t>
             </a:r>
           </a:p>
           <a:p>
             <a:pPr lvl="1"/>
             <a:r>
-              <a:rPr lang="fr-FR" smtClean="0"/>
+              <a:rPr lang="fr-FR"/>
               <a:t>Deuxième niveau</a:t>
             </a:r>
           </a:p>
           <a:p>
             <a:pPr lvl="2"/>
             <a:r>
-              <a:rPr lang="fr-FR" smtClean="0"/>
+              <a:rPr lang="fr-FR"/>
               <a:t>Troisième niveau</a:t>
             </a:r>
           </a:p>
           <a:p>
             <a:pPr lvl="3"/>
             <a:r>
-              <a:rPr lang="fr-FR" smtClean="0"/>
+              <a:rPr lang="fr-FR"/>
               <a:t>Quatrième niveau</a:t>
             </a:r>
           </a:p>
           <a:p>
             <a:pPr lvl="4"/>
             <a:r>
-              <a:rPr lang="fr-FR" smtClean="0"/>
+              <a:rPr lang="fr-FR"/>
               <a:t>Cinquième niveau</a:t>
             </a:r>
-            <a:endParaRPr lang="fr-FR"/>
           </a:p>
         </p:txBody>
       </p:sp>
@@ -1726,7 +1712,7 @@
           <a:p>
             <a:pPr lvl="0"/>
             <a:r>
-              <a:rPr lang="fr-FR" smtClean="0"/>
+              <a:rPr lang="fr-FR"/>
               <a:t>Modifiez les styles du texte du masque</a:t>
             </a:r>
           </a:p>
@@ -1754,38 +1740,37 @@
           <a:p>
             <a:pPr lvl="0"/>
             <a:r>
-              <a:rPr lang="fr-FR" smtClean="0"/>
+              <a:rPr lang="fr-FR"/>
               <a:t>Modifiez les styles du texte du masque</a:t>
             </a:r>
           </a:p>
           <a:p>
             <a:pPr lvl="1"/>
             <a:r>
-              <a:rPr lang="fr-FR" smtClean="0"/>
+              <a:rPr lang="fr-FR"/>
               <a:t>Deuxième niveau</a:t>
             </a:r>
           </a:p>
           <a:p>
             <a:pPr lvl="2"/>
             <a:r>
-              <a:rPr lang="fr-FR" smtClean="0"/>
+              <a:rPr lang="fr-FR"/>
               <a:t>Troisième niveau</a:t>
             </a:r>
           </a:p>
           <a:p>
             <a:pPr lvl="3"/>
             <a:r>
-              <a:rPr lang="fr-FR" smtClean="0"/>
+              <a:rPr lang="fr-FR"/>
               <a:t>Quatrième niveau</a:t>
             </a:r>
           </a:p>
           <a:p>
             <a:pPr lvl="4"/>
             <a:r>
-              <a:rPr lang="fr-FR" smtClean="0"/>
+              <a:rPr lang="fr-FR"/>
               <a:t>Cinquième niveau</a:t>
             </a:r>
-            <a:endParaRPr lang="fr-FR"/>
           </a:p>
         </p:txBody>
       </p:sp>
@@ -1807,7 +1792,7 @@
             <a:fld id="{1BFA4FCE-E2E2-417A-A99A-D3BA69BD63B5}" type="datetimeFigureOut">
               <a:rPr lang="fr-FR" smtClean="0"/>
               <a:pPr/>
-              <a:t>06/08/2019</a:t>
+              <a:t>04/02/2020</a:t>
             </a:fld>
             <a:endParaRPr lang="fr-FR"/>
           </a:p>
@@ -1902,10 +1887,9 @@
           <a:lstStyle/>
           <a:p>
             <a:r>
-              <a:rPr lang="fr-FR" smtClean="0"/>
+              <a:rPr lang="fr-FR"/>
               <a:t>Modifiez le style du titre</a:t>
             </a:r>
-            <a:endParaRPr lang="fr-FR"/>
           </a:p>
         </p:txBody>
       </p:sp>
@@ -1927,7 +1911,7 @@
             <a:fld id="{1BFA4FCE-E2E2-417A-A99A-D3BA69BD63B5}" type="datetimeFigureOut">
               <a:rPr lang="fr-FR" smtClean="0"/>
               <a:pPr/>
-              <a:t>06/08/2019</a:t>
+              <a:t>04/02/2020</a:t>
             </a:fld>
             <a:endParaRPr lang="fr-FR"/>
           </a:p>
@@ -2024,7 +2008,7 @@
             <a:fld id="{1BFA4FCE-E2E2-417A-A99A-D3BA69BD63B5}" type="datetimeFigureOut">
               <a:rPr lang="fr-FR" smtClean="0"/>
               <a:pPr/>
-              <a:t>06/08/2019</a:t>
+              <a:t>04/02/2020</a:t>
             </a:fld>
             <a:endParaRPr lang="fr-FR"/>
           </a:p>
@@ -2128,10 +2112,9 @@
           </a:lstStyle>
           <a:p>
             <a:r>
-              <a:rPr lang="fr-FR" smtClean="0"/>
+              <a:rPr lang="fr-FR"/>
               <a:t>Modifiez le style du titre</a:t>
             </a:r>
-            <a:endParaRPr lang="fr-FR"/>
           </a:p>
         </p:txBody>
       </p:sp>
@@ -2185,38 +2168,37 @@
           <a:p>
             <a:pPr lvl="0"/>
             <a:r>
-              <a:rPr lang="fr-FR" smtClean="0"/>
+              <a:rPr lang="fr-FR"/>
               <a:t>Modifiez les styles du texte du masque</a:t>
             </a:r>
           </a:p>
           <a:p>
             <a:pPr lvl="1"/>
             <a:r>
-              <a:rPr lang="fr-FR" smtClean="0"/>
+              <a:rPr lang="fr-FR"/>
               <a:t>Deuxième niveau</a:t>
             </a:r>
           </a:p>
           <a:p>
             <a:pPr lvl="2"/>
             <a:r>
-              <a:rPr lang="fr-FR" smtClean="0"/>
+              <a:rPr lang="fr-FR"/>
               <a:t>Troisième niveau</a:t>
             </a:r>
           </a:p>
           <a:p>
             <a:pPr lvl="3"/>
             <a:r>
-              <a:rPr lang="fr-FR" smtClean="0"/>
+              <a:rPr lang="fr-FR"/>
               <a:t>Quatrième niveau</a:t>
             </a:r>
           </a:p>
           <a:p>
             <a:pPr lvl="4"/>
             <a:r>
-              <a:rPr lang="fr-FR" smtClean="0"/>
+              <a:rPr lang="fr-FR"/>
               <a:t>Cinquième niveau</a:t>
             </a:r>
-            <a:endParaRPr lang="fr-FR"/>
           </a:p>
         </p:txBody>
       </p:sp>
@@ -2279,7 +2261,7 @@
           <a:p>
             <a:pPr lvl="0"/>
             <a:r>
-              <a:rPr lang="fr-FR" smtClean="0"/>
+              <a:rPr lang="fr-FR"/>
               <a:t>Modifiez les styles du texte du masque</a:t>
             </a:r>
           </a:p>
@@ -2303,7 +2285,7 @@
             <a:fld id="{1BFA4FCE-E2E2-417A-A99A-D3BA69BD63B5}" type="datetimeFigureOut">
               <a:rPr lang="fr-FR" smtClean="0"/>
               <a:pPr/>
-              <a:t>06/08/2019</a:t>
+              <a:t>04/02/2020</a:t>
             </a:fld>
             <a:endParaRPr lang="fr-FR"/>
           </a:p>
@@ -2407,10 +2389,9 @@
           </a:lstStyle>
           <a:p>
             <a:r>
-              <a:rPr lang="fr-FR" smtClean="0"/>
+              <a:rPr lang="fr-FR"/>
               <a:t>Modifiez le style du titre</a:t>
             </a:r>
-            <a:endParaRPr lang="fr-FR"/>
           </a:p>
         </p:txBody>
       </p:sp>
@@ -2534,7 +2515,7 @@
           <a:p>
             <a:pPr lvl="0"/>
             <a:r>
-              <a:rPr lang="fr-FR" smtClean="0"/>
+              <a:rPr lang="fr-FR"/>
               <a:t>Modifiez les styles du texte du masque</a:t>
             </a:r>
           </a:p>
@@ -2558,7 +2539,7 @@
             <a:fld id="{1BFA4FCE-E2E2-417A-A99A-D3BA69BD63B5}" type="datetimeFigureOut">
               <a:rPr lang="fr-FR" smtClean="0"/>
               <a:pPr/>
-              <a:t>06/08/2019</a:t>
+              <a:t>04/02/2020</a:t>
             </a:fld>
             <a:endParaRPr lang="fr-FR"/>
           </a:p>
@@ -2668,10 +2649,9 @@
           <a:lstStyle/>
           <a:p>
             <a:r>
-              <a:rPr lang="fr-FR" smtClean="0"/>
+              <a:rPr lang="fr-FR"/>
               <a:t>Modifiez le style du titre</a:t>
             </a:r>
-            <a:endParaRPr lang="fr-FR"/>
           </a:p>
         </p:txBody>
       </p:sp>
@@ -2702,38 +2682,37 @@
           <a:p>
             <a:pPr lvl="0"/>
             <a:r>
-              <a:rPr lang="fr-FR" smtClean="0"/>
+              <a:rPr lang="fr-FR"/>
               <a:t>Modifiez les styles du texte du masque</a:t>
             </a:r>
           </a:p>
           <a:p>
             <a:pPr lvl="1"/>
             <a:r>
-              <a:rPr lang="fr-FR" smtClean="0"/>
+              <a:rPr lang="fr-FR"/>
               <a:t>Deuxième niveau</a:t>
             </a:r>
           </a:p>
           <a:p>
             <a:pPr lvl="2"/>
             <a:r>
-              <a:rPr lang="fr-FR" smtClean="0"/>
+              <a:rPr lang="fr-FR"/>
               <a:t>Troisième niveau</a:t>
             </a:r>
           </a:p>
           <a:p>
             <a:pPr lvl="3"/>
             <a:r>
-              <a:rPr lang="fr-FR" smtClean="0"/>
+              <a:rPr lang="fr-FR"/>
               <a:t>Quatrième niveau</a:t>
             </a:r>
           </a:p>
           <a:p>
             <a:pPr lvl="4"/>
             <a:r>
-              <a:rPr lang="fr-FR" smtClean="0"/>
+              <a:rPr lang="fr-FR"/>
               <a:t>Cinquième niveau</a:t>
             </a:r>
-            <a:endParaRPr lang="fr-FR"/>
           </a:p>
         </p:txBody>
       </p:sp>
@@ -2773,7 +2752,7 @@
             <a:fld id="{1BFA4FCE-E2E2-417A-A99A-D3BA69BD63B5}" type="datetimeFigureOut">
               <a:rPr lang="fr-FR" smtClean="0"/>
               <a:pPr/>
-              <a:t>06/08/2019</a:t>
+              <a:t>04/02/2020</a:t>
             </a:fld>
             <a:endParaRPr lang="fr-FR"/>
           </a:p>
@@ -3195,10 +3174,9 @@
           <a:lstStyle/>
           <a:p>
             <a:r>
-              <a:rPr lang="fr-FR" dirty="0" smtClean="0"/>
+              <a:rPr lang="fr-FR" dirty="0"/>
               <a:t>TDD pour les applications Frontend</a:t>
             </a:r>
-            <a:endParaRPr lang="fr-FR" dirty="0"/>
           </a:p>
         </p:txBody>
       </p:sp>
@@ -3231,13 +3209,6 @@
   <p:clrMapOvr>
     <a:masterClrMapping/>
   </p:clrMapOvr>
-  <p:timing>
-    <p:tnLst>
-      <p:par>
-        <p:cTn id="1" dur="indefinite" restart="never" nodeType="tmRoot"/>
-      </p:par>
-    </p:tnLst>
-  </p:timing>
 </p:sld>
 </file>
 
@@ -3274,10 +3245,9 @@
           <a:lstStyle/>
           <a:p>
             <a:r>
-              <a:rPr lang="fr-FR" dirty="0" smtClean="0"/>
+              <a:rPr lang="fr-FR" dirty="0"/>
               <a:t>Clean Tests	</a:t>
             </a:r>
-            <a:endParaRPr lang="fr-FR" dirty="0"/>
           </a:p>
         </p:txBody>
       </p:sp>
@@ -3297,7 +3267,7 @@
           <a:lstStyle/>
           <a:p>
             <a:r>
-              <a:rPr lang="fr-FR" dirty="0" smtClean="0"/>
+              <a:rPr lang="fr-FR" dirty="0"/>
               <a:t>Ecrire un assert par test</a:t>
             </a:r>
           </a:p>
@@ -3376,10 +3346,9 @@
           <a:lstStyle/>
           <a:p>
             <a:r>
-              <a:rPr lang="fr-FR" dirty="0" smtClean="0"/>
+              <a:rPr lang="fr-FR" dirty="0"/>
               <a:t>Clean tests</a:t>
             </a:r>
-            <a:endParaRPr lang="fr-FR" dirty="0"/>
           </a:p>
         </p:txBody>
       </p:sp>
@@ -3399,7 +3368,7 @@
           <a:lstStyle/>
           <a:p>
             <a:r>
-              <a:rPr lang="fr-FR" dirty="0" smtClean="0"/>
+              <a:rPr lang="fr-FR" dirty="0"/>
               <a:t>Un comportement unique par test</a:t>
             </a:r>
           </a:p>
@@ -3481,10 +3450,9 @@
           <a:lstStyle/>
           <a:p>
             <a:r>
-              <a:rPr lang="fr-FR" dirty="0" smtClean="0"/>
+              <a:rPr lang="fr-FR" dirty="0"/>
               <a:t>Environnement Technique</a:t>
             </a:r>
-            <a:endParaRPr lang="fr-FR" dirty="0"/>
           </a:p>
         </p:txBody>
       </p:sp>
@@ -3623,10 +3591,9 @@
           <a:lstStyle/>
           <a:p>
             <a:r>
-              <a:rPr lang="fr-FR" dirty="0" smtClean="0"/>
+              <a:rPr lang="fr-FR" dirty="0"/>
               <a:t>TDD</a:t>
             </a:r>
-            <a:endParaRPr lang="fr-FR" dirty="0"/>
           </a:p>
         </p:txBody>
       </p:sp>
@@ -3689,13 +3656,6 @@
   <p:clrMapOvr>
     <a:masterClrMapping/>
   </p:clrMapOvr>
-  <p:timing>
-    <p:tnLst>
-      <p:par>
-        <p:cTn id="1" dur="indefinite" restart="never" nodeType="tmRoot"/>
-      </p:par>
-    </p:tnLst>
-  </p:timing>
 </p:sld>
 </file>
 
@@ -3732,10 +3692,9 @@
           <a:lstStyle/>
           <a:p>
             <a:r>
-              <a:rPr lang="fr-FR" dirty="0" smtClean="0"/>
+              <a:rPr lang="fr-FR" dirty="0"/>
               <a:t>Références</a:t>
             </a:r>
-            <a:endParaRPr lang="fr-FR" dirty="0"/>
           </a:p>
         </p:txBody>
       </p:sp>
@@ -3755,24 +3714,38 @@
           <a:lstStyle/>
           <a:p>
             <a:r>
-              <a:rPr lang="fr-FR" dirty="0" smtClean="0"/>
+              <a:rPr lang="fr-FR" dirty="0"/>
               <a:t>Clean Code (A </a:t>
             </a:r>
             <a:r>
-              <a:rPr lang="fr-FR" dirty="0" err="1" smtClean="0"/>
+              <a:rPr lang="fr-FR" dirty="0" err="1"/>
               <a:t>Handbook</a:t>
             </a:r>
             <a:r>
-              <a:rPr lang="fr-FR" dirty="0" smtClean="0"/>
-              <a:t> of Agile Software Craftmanship) (Robert C.Martin)</a:t>
-            </a:r>
-          </a:p>
-          <a:p>
+              <a:rPr lang="fr-FR" dirty="0"/>
+              <a:t> of Agile Software Craftmanship) (Robert </a:t>
+            </a:r>
+            <a:r>
+              <a:rPr lang="fr-FR" dirty="0" err="1"/>
+              <a:t>C.Martin</a:t>
+            </a:r>
+            <a:r>
+              <a:rPr lang="fr-FR"/>
+              <a:t>) </a:t>
+            </a:r>
+          </a:p>
+          <a:p>
+            <a:r>
+              <a:rPr lang="fr-FR">
+                <a:hlinkClick r:id="rId2"/>
+              </a:rPr>
+              <a:t>http</a:t>
+            </a:r>
             <a:r>
               <a:rPr lang="fr-FR" dirty="0">
                 <a:hlinkClick r:id="rId2"/>
               </a:rPr>
-              <a:t>https://putaindecode.io/fr/articles/tdd/</a:t>
+              <a:t>://www.touilleur-express.fr/2008/10/07/tdd-inutile-ou-pas/</a:t>
             </a:r>
             <a:endParaRPr lang="fr-FR" dirty="0"/>
           </a:p>
@@ -3780,21 +3753,6 @@
             <a:r>
               <a:rPr lang="fr-FR" dirty="0">
                 <a:hlinkClick r:id="rId3"/>
-              </a:rPr>
-              <a:t>http://www.touilleur-express.fr/2008/10/07/tdd-inutile-ou-pas</a:t>
-            </a:r>
-            <a:r>
-              <a:rPr lang="fr-FR" dirty="0" smtClean="0">
-                <a:hlinkClick r:id="rId3"/>
-              </a:rPr>
-              <a:t>/</a:t>
-            </a:r>
-            <a:endParaRPr lang="fr-FR" dirty="0" smtClean="0"/>
-          </a:p>
-          <a:p>
-            <a:r>
-              <a:rPr lang="fr-FR" dirty="0" smtClean="0">
-                <a:hlinkClick r:id="rId4"/>
               </a:rPr>
               <a:t>https://openclassrooms.com/fr/courses/3504461-testez-linterface-de-votre-site/4270561-pourquoi-ecrire-des-tests</a:t>
             </a:r>
@@ -3848,10 +3806,9 @@
           <a:lstStyle/>
           <a:p>
             <a:r>
-              <a:rPr lang="fr-FR" dirty="0" smtClean="0"/>
+              <a:rPr lang="fr-FR" dirty="0"/>
               <a:t>Pourquoi tester ?</a:t>
             </a:r>
-            <a:endParaRPr lang="fr-FR" dirty="0"/>
           </a:p>
         </p:txBody>
       </p:sp>
@@ -3906,10 +3863,9 @@
           <a:lstStyle/>
           <a:p>
             <a:r>
-              <a:rPr lang="fr-FR" dirty="0" smtClean="0"/>
+              <a:rPr lang="fr-FR" dirty="0"/>
               <a:t>"Zut, il vient d'où ce bug ?"</a:t>
             </a:r>
-            <a:endParaRPr lang="fr-FR" dirty="0"/>
           </a:p>
         </p:txBody>
       </p:sp>
@@ -4023,10 +3979,9 @@
           <a:p>
             <a:pPr algn="ctr"/>
             <a:r>
-              <a:rPr lang="fr-FR" dirty="0" smtClean="0"/>
+              <a:rPr lang="fr-FR" dirty="0"/>
               <a:t>Ecrire le code</a:t>
             </a:r>
-            <a:endParaRPr lang="fr-FR" dirty="0"/>
           </a:p>
         </p:txBody>
       </p:sp>
@@ -4067,10 +4022,9 @@
           <a:p>
             <a:pPr algn="ctr"/>
             <a:r>
-              <a:rPr lang="fr-FR" dirty="0" smtClean="0"/>
+              <a:rPr lang="fr-FR" dirty="0"/>
               <a:t>Ajouter le test qui teste le code</a:t>
             </a:r>
-            <a:endParaRPr lang="fr-FR" dirty="0"/>
           </a:p>
         </p:txBody>
       </p:sp>
@@ -4144,10 +4098,9 @@
           <a:p>
             <a:pPr algn="ctr"/>
             <a:r>
-              <a:rPr lang="fr-FR" dirty="0" smtClean="0"/>
+              <a:rPr lang="fr-FR" dirty="0"/>
               <a:t>Conception (Analyse et prise de décision)</a:t>
             </a:r>
-            <a:endParaRPr lang="fr-FR" dirty="0"/>
           </a:p>
         </p:txBody>
       </p:sp>
@@ -4196,13 +4149,6 @@
   <p:clrMapOvr>
     <a:masterClrMapping/>
   </p:clrMapOvr>
-  <p:timing>
-    <p:tnLst>
-      <p:par>
-        <p:cTn id="1" dur="indefinite" restart="never" nodeType="tmRoot"/>
-      </p:par>
-    </p:tnLst>
-  </p:timing>
 </p:sld>
 </file>
 
@@ -4310,10 +4256,9 @@
           <a:p>
             <a:pPr algn="ctr"/>
             <a:r>
-              <a:rPr lang="fr-FR" dirty="0" smtClean="0"/>
+              <a:rPr lang="fr-FR" dirty="0"/>
               <a:t>Ecrire le code de test</a:t>
             </a:r>
-            <a:endParaRPr lang="fr-FR" dirty="0"/>
           </a:p>
         </p:txBody>
       </p:sp>
@@ -4354,10 +4299,9 @@
           <a:p>
             <a:pPr algn="ctr"/>
             <a:r>
-              <a:rPr lang="fr-FR" dirty="0" smtClean="0"/>
+              <a:rPr lang="fr-FR" dirty="0"/>
               <a:t>Ecrire le code qui respecte le test</a:t>
             </a:r>
-            <a:endParaRPr lang="fr-FR" dirty="0"/>
           </a:p>
         </p:txBody>
       </p:sp>
@@ -4431,10 +4375,9 @@
           <a:p>
             <a:pPr algn="ctr"/>
             <a:r>
-              <a:rPr lang="fr-FR" dirty="0" smtClean="0"/>
+              <a:rPr lang="fr-FR" dirty="0"/>
               <a:t>Conception (Analyse et prise de décision)</a:t>
             </a:r>
-            <a:endParaRPr lang="fr-FR" dirty="0"/>
           </a:p>
         </p:txBody>
       </p:sp>
@@ -4483,13 +4426,6 @@
   <p:clrMapOvr>
     <a:masterClrMapping/>
   </p:clrMapOvr>
-  <p:timing>
-    <p:tnLst>
-      <p:par>
-        <p:cTn id="1" dur="indefinite" restart="never" nodeType="tmRoot"/>
-      </p:par>
-    </p:tnLst>
-  </p:timing>
 </p:sld>
 </file>
 
@@ -4526,42 +4462,41 @@
           <a:lstStyle/>
           <a:p>
             <a:r>
-              <a:rPr lang="fr-FR" dirty="0" smtClean="0"/>
+              <a:rPr lang="fr-FR" dirty="0"/>
               <a:t>TDD c’est quoi ?</a:t>
             </a:r>
+          </a:p>
+        </p:txBody>
+      </p:sp>
+      <p:sp>
+        <p:nvSpPr>
+          <p:cNvPr id="3" name="Espace réservé du contenu 2"/>
+          <p:cNvSpPr>
+            <a:spLocks noGrp="1"/>
+          </p:cNvSpPr>
+          <p:nvPr>
+            <p:ph idx="1"/>
+          </p:nvPr>
+        </p:nvSpPr>
+        <p:spPr/>
+        <p:txBody>
+          <a:bodyPr/>
+          <a:lstStyle/>
+          <a:p>
+            <a:r>
+              <a:rPr lang="fr-FR" dirty="0"/>
+              <a:t>Le développement piloté par les tests est une pratique qui préconise d’écrire les tests avant d’écrire le code.</a:t>
+            </a:r>
+          </a:p>
+          <a:p>
+            <a:pPr marL="0" indent="0">
+              <a:buNone/>
+            </a:pPr>
             <a:endParaRPr lang="fr-FR" dirty="0"/>
           </a:p>
-        </p:txBody>
-      </p:sp>
-      <p:sp>
-        <p:nvSpPr>
-          <p:cNvPr id="3" name="Espace réservé du contenu 2"/>
-          <p:cNvSpPr>
-            <a:spLocks noGrp="1"/>
-          </p:cNvSpPr>
-          <p:nvPr>
-            <p:ph idx="1"/>
-          </p:nvPr>
-        </p:nvSpPr>
-        <p:spPr/>
-        <p:txBody>
-          <a:bodyPr/>
-          <a:lstStyle/>
-          <a:p>
-            <a:r>
-              <a:rPr lang="fr-FR" dirty="0" smtClean="0"/>
-              <a:t>Le développement piloté par les tests est une pratique qui préconise d’écrire les tests avant d’écrire le code.</a:t>
-            </a:r>
-          </a:p>
-          <a:p>
-            <a:pPr marL="0" indent="0">
-              <a:buNone/>
-            </a:pPr>
-            <a:endParaRPr lang="fr-FR" dirty="0" smtClean="0"/>
-          </a:p>
-          <a:p>
-            <a:r>
-              <a:rPr lang="fr-FR" dirty="0" smtClean="0"/>
+          <a:p>
+            <a:r>
+              <a:rPr lang="fr-FR" dirty="0"/>
               <a:t>Le cycle préconisé comporte cinq étapes:</a:t>
             </a:r>
           </a:p>
@@ -4571,7 +4506,7 @@
               <a:buChar char="v"/>
             </a:pPr>
             <a:r>
-              <a:rPr lang="fr-FR" dirty="0" smtClean="0"/>
+              <a:rPr lang="fr-FR" dirty="0"/>
               <a:t>Ecrire un premier test</a:t>
             </a:r>
           </a:p>
@@ -4581,7 +4516,7 @@
               <a:buChar char="v"/>
             </a:pPr>
             <a:r>
-              <a:rPr lang="fr-FR" dirty="0" smtClean="0"/>
+              <a:rPr lang="fr-FR" dirty="0"/>
               <a:t>Vérifier qu’il échoue afin de vérifier que le test est valide</a:t>
             </a:r>
           </a:p>
@@ -4591,7 +4526,7 @@
               <a:buChar char="v"/>
             </a:pPr>
             <a:r>
-              <a:rPr lang="fr-FR" dirty="0" smtClean="0"/>
+              <a:rPr lang="fr-FR" dirty="0"/>
               <a:t>Ecrire juste le code suffisant pour passer le test</a:t>
             </a:r>
           </a:p>
@@ -4601,7 +4536,7 @@
               <a:buChar char="v"/>
             </a:pPr>
             <a:r>
-              <a:rPr lang="fr-FR" dirty="0" smtClean="0"/>
+              <a:rPr lang="fr-FR" dirty="0"/>
               <a:t>Vérifier que le test passe</a:t>
             </a:r>
           </a:p>
@@ -4611,7 +4546,7 @@
               <a:buChar char="v"/>
             </a:pPr>
             <a:r>
-              <a:rPr lang="fr-FR" dirty="0" smtClean="0"/>
+              <a:rPr lang="fr-FR" dirty="0"/>
               <a:t>Ré-factoriser le code</a:t>
             </a:r>
           </a:p>
@@ -4663,15 +4598,15 @@
           <a:lstStyle/>
           <a:p>
             <a:r>
-              <a:rPr lang="fr-FR" dirty="0" smtClean="0"/>
+              <a:rPr lang="fr-FR" dirty="0"/>
               <a:t>Le </a:t>
             </a:r>
             <a:r>
-              <a:rPr lang="fr-FR" smtClean="0"/>
+              <a:rPr lang="fr-FR"/>
               <a:t>cycle Rouge-vert-</a:t>
             </a:r>
             <a:r>
-              <a:rPr lang="fr-FR" dirty="0" err="1" smtClean="0"/>
+              <a:rPr lang="fr-FR" dirty="0" err="1"/>
               <a:t>refactor</a:t>
             </a:r>
             <a:endParaRPr lang="fr-FR" dirty="0"/>
@@ -4740,10 +4675,9 @@
           <a:p>
             <a:pPr algn="ctr"/>
             <a:r>
-              <a:rPr lang="fr-FR" dirty="0" smtClean="0"/>
+              <a:rPr lang="fr-FR" dirty="0"/>
               <a:t>REFACTOR</a:t>
             </a:r>
-            <a:endParaRPr lang="fr-FR" dirty="0"/>
           </a:p>
         </p:txBody>
       </p:sp>
@@ -4784,10 +4718,9 @@
           <a:p>
             <a:pPr algn="ctr"/>
             <a:r>
-              <a:rPr lang="fr-FR" dirty="0" smtClean="0"/>
+              <a:rPr lang="fr-FR" dirty="0"/>
               <a:t>VERT</a:t>
             </a:r>
-            <a:endParaRPr lang="fr-FR" dirty="0"/>
           </a:p>
         </p:txBody>
       </p:sp>
@@ -4828,10 +4761,9 @@
           <a:p>
             <a:pPr algn="ctr"/>
             <a:r>
-              <a:rPr lang="fr-FR" dirty="0" smtClean="0"/>
+              <a:rPr lang="fr-FR" dirty="0"/>
               <a:t>TDD</a:t>
             </a:r>
-            <a:endParaRPr lang="fr-FR" dirty="0"/>
           </a:p>
         </p:txBody>
       </p:sp>
@@ -4872,10 +4804,9 @@
           <a:p>
             <a:pPr algn="ctr"/>
             <a:r>
-              <a:rPr lang="fr-FR" dirty="0" smtClean="0"/>
+              <a:rPr lang="fr-FR" dirty="0"/>
               <a:t>ROUGE</a:t>
             </a:r>
-            <a:endParaRPr lang="fr-FR" dirty="0"/>
           </a:p>
         </p:txBody>
       </p:sp>
@@ -4999,10 +4930,9 @@
           <a:lstStyle/>
           <a:p>
             <a:r>
-              <a:rPr lang="fr-FR" dirty="0" smtClean="0"/>
+              <a:rPr lang="fr-FR" dirty="0"/>
               <a:t>Ecrire un test qui échoue</a:t>
             </a:r>
-            <a:endParaRPr lang="fr-FR" dirty="0"/>
           </a:p>
         </p:txBody>
       </p:sp>
@@ -5029,10 +4959,9 @@
           <a:lstStyle/>
           <a:p>
             <a:r>
-              <a:rPr lang="fr-FR" dirty="0" smtClean="0"/>
+              <a:rPr lang="fr-FR" dirty="0"/>
               <a:t>Améliorer (Refactoring)</a:t>
             </a:r>
-            <a:endParaRPr lang="fr-FR" dirty="0"/>
           </a:p>
         </p:txBody>
       </p:sp>
@@ -5059,10 +4988,9 @@
           <a:lstStyle/>
           <a:p>
             <a:r>
-              <a:rPr lang="fr-FR" dirty="0" smtClean="0"/>
+              <a:rPr lang="fr-FR" dirty="0"/>
               <a:t>Implémenter le code pour que le test passe</a:t>
             </a:r>
-            <a:endParaRPr lang="fr-FR" dirty="0"/>
           </a:p>
         </p:txBody>
       </p:sp>
@@ -5076,13 +5004,6 @@
   <p:clrMapOvr>
     <a:masterClrMapping/>
   </p:clrMapOvr>
-  <p:timing>
-    <p:tnLst>
-      <p:par>
-        <p:cTn id="1" dur="indefinite" restart="never" nodeType="tmRoot"/>
-      </p:par>
-    </p:tnLst>
-  </p:timing>
 </p:sld>
 </file>
 
@@ -5119,33 +5040,32 @@
           <a:lstStyle/>
           <a:p>
             <a:r>
-              <a:rPr lang="fr-FR" dirty="0" smtClean="0"/>
+              <a:rPr lang="fr-FR" dirty="0"/>
               <a:t>Règles</a:t>
             </a:r>
+          </a:p>
+        </p:txBody>
+      </p:sp>
+      <p:sp>
+        <p:nvSpPr>
+          <p:cNvPr id="3" name="Espace réservé du contenu 2"/>
+          <p:cNvSpPr>
+            <a:spLocks noGrp="1"/>
+          </p:cNvSpPr>
+          <p:nvPr>
+            <p:ph idx="1"/>
+          </p:nvPr>
+        </p:nvSpPr>
+        <p:spPr/>
+        <p:txBody>
+          <a:bodyPr/>
+          <a:lstStyle/>
+          <a:p>
             <a:endParaRPr lang="fr-FR" dirty="0"/>
           </a:p>
-        </p:txBody>
-      </p:sp>
-      <p:sp>
-        <p:nvSpPr>
-          <p:cNvPr id="3" name="Espace réservé du contenu 2"/>
-          <p:cNvSpPr>
-            <a:spLocks noGrp="1"/>
-          </p:cNvSpPr>
-          <p:nvPr>
-            <p:ph idx="1"/>
-          </p:nvPr>
-        </p:nvSpPr>
-        <p:spPr/>
-        <p:txBody>
-          <a:bodyPr/>
-          <a:lstStyle/>
-          <a:p>
-            <a:endParaRPr lang="fr-FR" dirty="0" smtClean="0"/>
-          </a:p>
-          <a:p>
-            <a:r>
-              <a:rPr lang="fr-FR" dirty="0" smtClean="0"/>
+          <a:p>
+            <a:r>
+              <a:rPr lang="fr-FR" dirty="0"/>
               <a:t>Ecrire un test qui échoue avant d’écrire le code en lui même</a:t>
             </a:r>
           </a:p>
@@ -5154,7 +5074,7 @@
           </a:p>
           <a:p>
             <a:r>
-              <a:rPr lang="fr-FR" dirty="0" smtClean="0"/>
+              <a:rPr lang="fr-FR" dirty="0"/>
               <a:t>Ecrire seulement un test qui échoue</a:t>
             </a:r>
           </a:p>
@@ -5163,7 +5083,7 @@
           </a:p>
           <a:p>
             <a:r>
-              <a:rPr lang="fr-FR" dirty="0" smtClean="0"/>
+              <a:rPr lang="fr-FR" dirty="0"/>
               <a:t>Ecrire seulement le code nécessaire pour faire passer un test qui échoue</a:t>
             </a:r>
           </a:p>
@@ -5241,10 +5161,9 @@
               <a:buChar char="Ø"/>
             </a:pPr>
             <a:r>
-              <a:rPr lang="fr-FR" dirty="0" smtClean="0"/>
+              <a:rPr lang="fr-FR" dirty="0"/>
               <a:t>Couverture totale du code</a:t>
             </a:r>
-            <a:endParaRPr lang="fr-FR" dirty="0"/>
           </a:p>
           <a:p>
             <a:pPr marL="0" indent="0">
@@ -5258,7 +5177,7 @@
               <a:buChar char="Ø"/>
             </a:pPr>
             <a:r>
-              <a:rPr lang="fr-FR" dirty="0" smtClean="0"/>
+              <a:rPr lang="fr-FR" dirty="0"/>
               <a:t>Vérification du code:</a:t>
             </a:r>
           </a:p>
@@ -5268,7 +5187,7 @@
               <a:buChar char="ü"/>
             </a:pPr>
             <a:r>
-              <a:rPr lang="fr-FR" dirty="0" smtClean="0"/>
+              <a:rPr lang="fr-FR" dirty="0"/>
               <a:t>Rapide</a:t>
             </a:r>
           </a:p>
@@ -5278,7 +5197,7 @@
               <a:buChar char="ü"/>
             </a:pPr>
             <a:r>
-              <a:rPr lang="fr-FR" dirty="0" smtClean="0"/>
+              <a:rPr lang="fr-FR" dirty="0"/>
               <a:t>Indépendante </a:t>
             </a:r>
           </a:p>
@@ -5288,7 +5207,7 @@
               <a:buChar char="ü"/>
             </a:pPr>
             <a:r>
-              <a:rPr lang="fr-FR" dirty="0" smtClean="0"/>
+              <a:rPr lang="fr-FR" dirty="0"/>
               <a:t>Répétable </a:t>
             </a:r>
           </a:p>
@@ -5298,7 +5217,7 @@
               <a:buChar char="ü"/>
             </a:pPr>
             <a:r>
-              <a:rPr lang="fr-FR" dirty="0" smtClean="0"/>
+              <a:rPr lang="fr-FR" dirty="0"/>
               <a:t>Automatisée</a:t>
             </a:r>
           </a:p>
@@ -5306,7 +5225,7 @@
             <a:pPr marL="457200" lvl="1" indent="0">
               <a:buNone/>
             </a:pPr>
-            <a:endParaRPr lang="fr-FR" dirty="0" smtClean="0"/>
+            <a:endParaRPr lang="fr-FR" dirty="0"/>
           </a:p>
           <a:p>
             <a:pPr>
@@ -5314,7 +5233,7 @@
               <a:buChar char="Ø"/>
             </a:pPr>
             <a:r>
-              <a:rPr lang="fr-FR" dirty="0" smtClean="0"/>
+              <a:rPr lang="fr-FR" dirty="0"/>
               <a:t>Non présence de régression</a:t>
             </a:r>
           </a:p>
@@ -5330,13 +5249,6 @@
   <p:clrMapOvr>
     <a:masterClrMapping/>
   </p:clrMapOvr>
-  <p:timing>
-    <p:tnLst>
-      <p:par>
-        <p:cTn id="1" dur="indefinite" restart="never" nodeType="tmRoot"/>
-      </p:par>
-    </p:tnLst>
-  </p:timing>
 </p:sld>
 </file>
 
@@ -5378,38 +5290,37 @@
           <a:lstStyle/>
           <a:p>
             <a:r>
-              <a:rPr lang="fr-FR" dirty="0" smtClean="0"/>
+              <a:rPr lang="fr-FR" dirty="0"/>
               <a:t>Clean Tests</a:t>
             </a:r>
+          </a:p>
+        </p:txBody>
+      </p:sp>
+      <p:sp>
+        <p:nvSpPr>
+          <p:cNvPr id="3" name="Espace réservé du contenu 2"/>
+          <p:cNvSpPr>
+            <a:spLocks noGrp="1"/>
+          </p:cNvSpPr>
+          <p:nvPr>
+            <p:ph idx="1"/>
+          </p:nvPr>
+        </p:nvSpPr>
+        <p:spPr/>
+        <p:txBody>
+          <a:bodyPr/>
+          <a:lstStyle/>
+          <a:p>
+            <a:r>
+              <a:rPr lang="fr-FR" dirty="0"/>
+              <a:t>Ecrire des tests lisibles (clarté, simplicité et expressivité)</a:t>
+            </a:r>
+          </a:p>
+          <a:p>
+            <a:pPr marL="0" indent="0">
+              <a:buNone/>
+            </a:pPr>
             <a:endParaRPr lang="fr-FR" dirty="0"/>
-          </a:p>
-        </p:txBody>
-      </p:sp>
-      <p:sp>
-        <p:nvSpPr>
-          <p:cNvPr id="3" name="Espace réservé du contenu 2"/>
-          <p:cNvSpPr>
-            <a:spLocks noGrp="1"/>
-          </p:cNvSpPr>
-          <p:nvPr>
-            <p:ph idx="1"/>
-          </p:nvPr>
-        </p:nvSpPr>
-        <p:spPr/>
-        <p:txBody>
-          <a:bodyPr/>
-          <a:lstStyle/>
-          <a:p>
-            <a:r>
-              <a:rPr lang="fr-FR" dirty="0" smtClean="0"/>
-              <a:t>Ecrire des tests lisibles (clarté, simplicité et expressivité)</a:t>
-            </a:r>
-          </a:p>
-          <a:p>
-            <a:pPr marL="0" indent="0">
-              <a:buNone/>
-            </a:pPr>
-            <a:endParaRPr lang="fr-FR" dirty="0" smtClean="0"/>
           </a:p>
           <a:p>
             <a:endParaRPr lang="fr-FR" dirty="0"/>
